--- a/HW3/HW3_NE6121115_趙韋霖.pptx
+++ b/HW3/HW3_NE6121115_趙韋霖.pptx
@@ -111,6 +111,11 @@
       </a:defRPr>
     </a:lvl9pPr>
   </p:defaultTextStyle>
+  <p:extLst>
+    <p:ext uri="{EFAFB233-063F-42B5-8137-9DF3F51BA10A}">
+      <p15:sldGuideLst xmlns:p15="http://schemas.microsoft.com/office/powerpoint/2012/main"/>
+    </p:ext>
+  </p:extLst>
 </p:presentation>
 </file>
 
@@ -261,7 +266,7 @@
           <a:p>
             <a:fld id="{D86267E5-2651-4616-AC97-424924C510A2}" type="datetimeFigureOut">
               <a:rPr lang="zh-TW" altLang="en-US" smtClean="0"/>
-              <a:t>2023/10/24</a:t>
+              <a:t>2023/11/14</a:t>
             </a:fld>
             <a:endParaRPr lang="zh-TW" altLang="en-US"/>
           </a:p>
@@ -459,7 +464,7 @@
           <a:p>
             <a:fld id="{D86267E5-2651-4616-AC97-424924C510A2}" type="datetimeFigureOut">
               <a:rPr lang="zh-TW" altLang="en-US" smtClean="0"/>
-              <a:t>2023/10/24</a:t>
+              <a:t>2023/11/14</a:t>
             </a:fld>
             <a:endParaRPr lang="zh-TW" altLang="en-US"/>
           </a:p>
@@ -667,7 +672,7 @@
           <a:p>
             <a:fld id="{D86267E5-2651-4616-AC97-424924C510A2}" type="datetimeFigureOut">
               <a:rPr lang="zh-TW" altLang="en-US" smtClean="0"/>
-              <a:t>2023/10/24</a:t>
+              <a:t>2023/11/14</a:t>
             </a:fld>
             <a:endParaRPr lang="zh-TW" altLang="en-US"/>
           </a:p>
@@ -865,7 +870,7 @@
           <a:p>
             <a:fld id="{D86267E5-2651-4616-AC97-424924C510A2}" type="datetimeFigureOut">
               <a:rPr lang="zh-TW" altLang="en-US" smtClean="0"/>
-              <a:t>2023/10/24</a:t>
+              <a:t>2023/11/14</a:t>
             </a:fld>
             <a:endParaRPr lang="zh-TW" altLang="en-US"/>
           </a:p>
@@ -1140,7 +1145,7 @@
           <a:p>
             <a:fld id="{D86267E5-2651-4616-AC97-424924C510A2}" type="datetimeFigureOut">
               <a:rPr lang="zh-TW" altLang="en-US" smtClean="0"/>
-              <a:t>2023/10/24</a:t>
+              <a:t>2023/11/14</a:t>
             </a:fld>
             <a:endParaRPr lang="zh-TW" altLang="en-US"/>
           </a:p>
@@ -1405,7 +1410,7 @@
           <a:p>
             <a:fld id="{D86267E5-2651-4616-AC97-424924C510A2}" type="datetimeFigureOut">
               <a:rPr lang="zh-TW" altLang="en-US" smtClean="0"/>
-              <a:t>2023/10/24</a:t>
+              <a:t>2023/11/14</a:t>
             </a:fld>
             <a:endParaRPr lang="zh-TW" altLang="en-US"/>
           </a:p>
@@ -1817,7 +1822,7 @@
           <a:p>
             <a:fld id="{D86267E5-2651-4616-AC97-424924C510A2}" type="datetimeFigureOut">
               <a:rPr lang="zh-TW" altLang="en-US" smtClean="0"/>
-              <a:t>2023/10/24</a:t>
+              <a:t>2023/11/14</a:t>
             </a:fld>
             <a:endParaRPr lang="zh-TW" altLang="en-US"/>
           </a:p>
@@ -1958,7 +1963,7 @@
           <a:p>
             <a:fld id="{D86267E5-2651-4616-AC97-424924C510A2}" type="datetimeFigureOut">
               <a:rPr lang="zh-TW" altLang="en-US" smtClean="0"/>
-              <a:t>2023/10/24</a:t>
+              <a:t>2023/11/14</a:t>
             </a:fld>
             <a:endParaRPr lang="zh-TW" altLang="en-US"/>
           </a:p>
@@ -2071,7 +2076,7 @@
           <a:p>
             <a:fld id="{D86267E5-2651-4616-AC97-424924C510A2}" type="datetimeFigureOut">
               <a:rPr lang="zh-TW" altLang="en-US" smtClean="0"/>
-              <a:t>2023/10/24</a:t>
+              <a:t>2023/11/14</a:t>
             </a:fld>
             <a:endParaRPr lang="zh-TW" altLang="en-US"/>
           </a:p>
@@ -2382,7 +2387,7 @@
           <a:p>
             <a:fld id="{D86267E5-2651-4616-AC97-424924C510A2}" type="datetimeFigureOut">
               <a:rPr lang="zh-TW" altLang="en-US" smtClean="0"/>
-              <a:t>2023/10/24</a:t>
+              <a:t>2023/11/14</a:t>
             </a:fld>
             <a:endParaRPr lang="zh-TW" altLang="en-US"/>
           </a:p>
@@ -2670,7 +2675,7 @@
           <a:p>
             <a:fld id="{D86267E5-2651-4616-AC97-424924C510A2}" type="datetimeFigureOut">
               <a:rPr lang="zh-TW" altLang="en-US" smtClean="0"/>
-              <a:t>2023/10/24</a:t>
+              <a:t>2023/11/14</a:t>
             </a:fld>
             <a:endParaRPr lang="zh-TW" altLang="en-US"/>
           </a:p>
@@ -2911,7 +2916,7 @@
           <a:p>
             <a:fld id="{D86267E5-2651-4616-AC97-424924C510A2}" type="datetimeFigureOut">
               <a:rPr lang="zh-TW" altLang="en-US" smtClean="0"/>
-              <a:t>2023/10/24</a:t>
+              <a:t>2023/11/14</a:t>
             </a:fld>
             <a:endParaRPr lang="zh-TW" altLang="en-US"/>
           </a:p>
@@ -3736,10 +3741,10 @@
       </p:sp>
       <p:pic>
         <p:nvPicPr>
-          <p:cNvPr id="5" name="圖片 4">
-            <a:extLst>
-              <a:ext uri="{FF2B5EF4-FFF2-40B4-BE49-F238E27FC236}">
-                <a16:creationId xmlns:a16="http://schemas.microsoft.com/office/drawing/2014/main" id="{7218039E-33CC-6EC4-A527-1B9A0D8E9DA9}"/>
+          <p:cNvPr id="8" name="圖片 7">
+            <a:extLst>
+              <a:ext uri="{FF2B5EF4-FFF2-40B4-BE49-F238E27FC236}">
+                <a16:creationId xmlns:a16="http://schemas.microsoft.com/office/drawing/2014/main" id="{797E0BA5-68AC-55F7-ECD2-219EAA327B0A}"/>
               </a:ext>
             </a:extLst>
           </p:cNvPr>
@@ -3756,8 +3761,8 @@
         </p:blipFill>
         <p:spPr>
           <a:xfrm>
-            <a:off x="0" y="1893359"/>
-            <a:ext cx="12192000" cy="4902730"/>
+            <a:off x="889535" y="1690688"/>
+            <a:ext cx="10082340" cy="4904072"/>
           </a:xfrm>
           <a:prstGeom prst="rect">
             <a:avLst/>
@@ -3958,7 +3963,7 @@
         </p:nvSpPr>
         <p:spPr>
           <a:xfrm>
-            <a:off x="601980" y="1825625"/>
+            <a:off x="666750" y="1315470"/>
             <a:ext cx="10858500" cy="4351338"/>
           </a:xfrm>
         </p:spPr>
@@ -3973,12 +3978,8 @@
               <a:t>在</a:t>
             </a:r>
             <a:r>
-              <a:rPr lang="en-US" altLang="zh-TW" sz="1600" dirty="0" err="1"/>
-              <a:t>winer</a:t>
-            </a:r>
-            <a:r>
               <a:rPr lang="en-US" altLang="zh-TW" sz="1600" dirty="0"/>
-              <a:t> filter</a:t>
+              <a:t>wiener filter</a:t>
             </a:r>
             <a:r>
               <a:rPr lang="zh-TW" altLang="en-US" sz="1600" dirty="0"/>
@@ -4005,6 +4006,53 @@
             </a:r>
             <a:r>
               <a:rPr lang="zh-TW" altLang="en-US" sz="1600" dirty="0"/>
+              <a:t>後當作</a:t>
+            </a:r>
+            <a:r>
+              <a:rPr lang="en-US" altLang="zh-TW" sz="1600" dirty="0"/>
+              <a:t>template</a:t>
+            </a:r>
+            <a:r>
+              <a:rPr lang="zh-TW" altLang="en-US" sz="1600" dirty="0"/>
+              <a:t>的</a:t>
+            </a:r>
+            <a:r>
+              <a:rPr lang="en-US" altLang="zh-TW" sz="1600" dirty="0"/>
+              <a:t>wiener filter</a:t>
+            </a:r>
+            <a:r>
+              <a:rPr lang="zh-TW" altLang="en-US" sz="1600" dirty="0"/>
+              <a:t>中，發現</a:t>
+            </a:r>
+            <a:r>
+              <a:rPr lang="en-US" altLang="zh-TW" sz="1600" dirty="0"/>
+              <a:t>template</a:t>
+            </a:r>
+            <a:r>
+              <a:rPr lang="zh-TW" altLang="en-US" sz="1600" dirty="0"/>
+              <a:t>的不同，會導致</a:t>
+            </a:r>
+            <a:r>
+              <a:rPr lang="en-US" altLang="zh-TW" sz="1600" dirty="0"/>
+              <a:t>filter</a:t>
+            </a:r>
+            <a:r>
+              <a:rPr lang="zh-TW" altLang="en-US" sz="1600" dirty="0"/>
+              <a:t>後的結果不同</a:t>
+            </a:r>
+            <a:endParaRPr lang="en-US" altLang="zh-TW" sz="1600" dirty="0"/>
+          </a:p>
+          <a:p>
+            <a:r>
+              <a:rPr lang="zh-TW" altLang="en-US" sz="1600" dirty="0"/>
+              <a:t>在</a:t>
+            </a:r>
+            <a:r>
+              <a:rPr lang="en-US" altLang="zh-TW" sz="1600" dirty="0"/>
+              <a:t>lowpass filter</a:t>
+            </a:r>
+            <a:r>
+              <a:rPr lang="zh-TW" altLang="en-US" sz="1600" dirty="0"/>
               <a:t>中，可以搭配</a:t>
             </a:r>
             <a:r>
@@ -4021,45 +4069,6 @@
             </a:r>
             <a:r>
               <a:rPr lang="zh-TW" altLang="en-US" sz="1600" dirty="0"/>
-              <a:t>為哪些頻率之後，可以針對這些頻率做</a:t>
-            </a:r>
-            <a:r>
-              <a:rPr lang="en-US" altLang="zh-TW" sz="1600" dirty="0"/>
-              <a:t>comb filter</a:t>
-            </a:r>
-            <a:r>
-              <a:rPr lang="zh-TW" altLang="en-US" sz="1600" dirty="0"/>
-              <a:t>，達到降噪的成果</a:t>
-            </a:r>
-            <a:endParaRPr lang="en-US" altLang="zh-TW" sz="1600" dirty="0"/>
-          </a:p>
-          <a:p>
-            <a:r>
-              <a:rPr lang="zh-TW" altLang="en-US" sz="1600" dirty="0"/>
-              <a:t>在</a:t>
-            </a:r>
-            <a:r>
-              <a:rPr lang="en-US" altLang="zh-TW" sz="1600" dirty="0"/>
-              <a:t>lowpass filter</a:t>
-            </a:r>
-            <a:r>
-              <a:rPr lang="zh-TW" altLang="en-US" sz="1600" dirty="0"/>
-              <a:t>中，可以搭配</a:t>
-            </a:r>
-            <a:r>
-              <a:rPr lang="en-US" altLang="zh-TW" sz="1600" dirty="0"/>
-              <a:t>PSD</a:t>
-            </a:r>
-            <a:r>
-              <a:rPr lang="zh-TW" altLang="en-US" sz="1600" dirty="0"/>
-              <a:t>的圖發現主要</a:t>
-            </a:r>
-            <a:r>
-              <a:rPr lang="en-US" altLang="zh-TW" sz="1600" dirty="0"/>
-              <a:t>noise</a:t>
-            </a:r>
-            <a:r>
-              <a:rPr lang="zh-TW" altLang="en-US" sz="1600" dirty="0"/>
               <a:t>都為</a:t>
             </a:r>
             <a:r>
@@ -4086,114 +4095,130 @@
           </a:p>
         </p:txBody>
       </p:sp>
-      <p:grpSp>
-        <p:nvGrpSpPr>
-          <p:cNvPr id="8" name="群組 7">
-            <a:extLst>
-              <a:ext uri="{FF2B5EF4-FFF2-40B4-BE49-F238E27FC236}">
-                <a16:creationId xmlns:a16="http://schemas.microsoft.com/office/drawing/2014/main" id="{1DBA2C0B-F1DF-5417-DA15-FEC353DFF48C}"/>
-              </a:ext>
-            </a:extLst>
-          </p:cNvPr>
-          <p:cNvGrpSpPr/>
+      <p:pic>
+        <p:nvPicPr>
+          <p:cNvPr id="4" name="圖片 3">
+            <a:extLst>
+              <a:ext uri="{FF2B5EF4-FFF2-40B4-BE49-F238E27FC236}">
+                <a16:creationId xmlns:a16="http://schemas.microsoft.com/office/drawing/2014/main" id="{E39D6F68-CC07-32B5-6362-DDFD0571F31E}"/>
+              </a:ext>
+            </a:extLst>
+          </p:cNvPr>
+          <p:cNvPicPr>
+            <a:picLocks noChangeAspect="1"/>
+          </p:cNvPicPr>
           <p:nvPr/>
-        </p:nvGrpSpPr>
-        <p:grpSpPr>
+        </p:nvPicPr>
+        <p:blipFill rotWithShape="1">
+          <a:blip r:embed="rId2"/>
+          <a:srcRect t="47939"/>
+          <a:stretch/>
+        </p:blipFill>
+        <p:spPr>
           <a:xfrm>
-            <a:off x="0" y="3288714"/>
-            <a:ext cx="12352867" cy="3380480"/>
-            <a:chOff x="129403" y="2675348"/>
-            <a:chExt cx="12164199" cy="3975546"/>
+            <a:off x="-247494" y="2385045"/>
+            <a:ext cx="12352867" cy="1127151"/>
           </a:xfrm>
-        </p:grpSpPr>
-        <p:pic>
-          <p:nvPicPr>
-            <p:cNvPr id="4" name="圖片 3">
-              <a:extLst>
-                <a:ext uri="{FF2B5EF4-FFF2-40B4-BE49-F238E27FC236}">
-                  <a16:creationId xmlns:a16="http://schemas.microsoft.com/office/drawing/2014/main" id="{E39D6F68-CC07-32B5-6362-DDFD0571F31E}"/>
-                </a:ext>
-              </a:extLst>
-            </p:cNvPr>
-            <p:cNvPicPr>
-              <a:picLocks noChangeAspect="1"/>
-            </p:cNvPicPr>
-            <p:nvPr/>
-          </p:nvPicPr>
-          <p:blipFill rotWithShape="1">
-            <a:blip r:embed="rId2"/>
-            <a:srcRect t="47939"/>
-            <a:stretch/>
-          </p:blipFill>
-          <p:spPr>
-            <a:xfrm>
-              <a:off x="129403" y="2675348"/>
-              <a:ext cx="12164199" cy="1325564"/>
-            </a:xfrm>
-            <a:prstGeom prst="rect">
-              <a:avLst/>
-            </a:prstGeom>
-          </p:spPr>
-        </p:pic>
-        <p:pic>
-          <p:nvPicPr>
-            <p:cNvPr id="5" name="圖片 4">
-              <a:extLst>
-                <a:ext uri="{FF2B5EF4-FFF2-40B4-BE49-F238E27FC236}">
-                  <a16:creationId xmlns:a16="http://schemas.microsoft.com/office/drawing/2014/main" id="{D4796971-9D83-6080-0DDE-DAC2237A955E}"/>
-                </a:ext>
-              </a:extLst>
-            </p:cNvPr>
-            <p:cNvPicPr>
-              <a:picLocks noChangeAspect="1"/>
-            </p:cNvPicPr>
-            <p:nvPr/>
-          </p:nvPicPr>
-          <p:blipFill rotWithShape="1">
-            <a:blip r:embed="rId3"/>
-            <a:srcRect t="50552"/>
-            <a:stretch/>
-          </p:blipFill>
-          <p:spPr>
-            <a:xfrm>
-              <a:off x="129403" y="4001294"/>
-              <a:ext cx="12164199" cy="1324800"/>
-            </a:xfrm>
-            <a:prstGeom prst="rect">
-              <a:avLst/>
-            </a:prstGeom>
-          </p:spPr>
-        </p:pic>
-        <p:pic>
-          <p:nvPicPr>
-            <p:cNvPr id="7" name="圖片 6">
-              <a:extLst>
-                <a:ext uri="{FF2B5EF4-FFF2-40B4-BE49-F238E27FC236}">
-                  <a16:creationId xmlns:a16="http://schemas.microsoft.com/office/drawing/2014/main" id="{3D932EA3-ECF3-677C-9F13-036D3CD0E1EC}"/>
-                </a:ext>
-              </a:extLst>
-            </p:cNvPr>
-            <p:cNvPicPr>
-              <a:picLocks noChangeAspect="1"/>
-            </p:cNvPicPr>
-            <p:nvPr/>
-          </p:nvPicPr>
-          <p:blipFill rotWithShape="1">
-            <a:blip r:embed="rId4"/>
-            <a:srcRect l="558" t="48772" r="-558" b="808"/>
-            <a:stretch/>
-          </p:blipFill>
-          <p:spPr>
-            <a:xfrm>
-              <a:off x="129403" y="5326094"/>
-              <a:ext cx="12164199" cy="1324800"/>
-            </a:xfrm>
-            <a:prstGeom prst="rect">
-              <a:avLst/>
-            </a:prstGeom>
-          </p:spPr>
-        </p:pic>
-      </p:grpSp>
+          <a:prstGeom prst="rect">
+            <a:avLst/>
+          </a:prstGeom>
+        </p:spPr>
+      </p:pic>
+      <p:pic>
+        <p:nvPicPr>
+          <p:cNvPr id="7" name="圖片 6">
+            <a:extLst>
+              <a:ext uri="{FF2B5EF4-FFF2-40B4-BE49-F238E27FC236}">
+                <a16:creationId xmlns:a16="http://schemas.microsoft.com/office/drawing/2014/main" id="{3D932EA3-ECF3-677C-9F13-036D3CD0E1EC}"/>
+              </a:ext>
+            </a:extLst>
+          </p:cNvPr>
+          <p:cNvPicPr>
+            <a:picLocks noChangeAspect="1"/>
+          </p:cNvPicPr>
+          <p:nvPr/>
+        </p:nvPicPr>
+        <p:blipFill rotWithShape="1">
+          <a:blip r:embed="rId3"/>
+          <a:srcRect l="558" t="48772" r="-558" b="808"/>
+          <a:stretch/>
+        </p:blipFill>
+        <p:spPr>
+          <a:xfrm>
+            <a:off x="0" y="5542855"/>
+            <a:ext cx="12352867" cy="1126502"/>
+          </a:xfrm>
+          <a:prstGeom prst="rect">
+            <a:avLst/>
+          </a:prstGeom>
+        </p:spPr>
+      </p:pic>
+      <p:pic>
+        <p:nvPicPr>
+          <p:cNvPr id="9" name="圖片 8" descr="一張含有 字型, 行, 筆跡 的圖片&#10;&#10;自動產生的描述">
+            <a:extLst>
+              <a:ext uri="{FF2B5EF4-FFF2-40B4-BE49-F238E27FC236}">
+                <a16:creationId xmlns:a16="http://schemas.microsoft.com/office/drawing/2014/main" id="{58039E36-4FAF-10B4-869B-96FC20FEEF7E}"/>
+              </a:ext>
+            </a:extLst>
+          </p:cNvPr>
+          <p:cNvPicPr>
+            <a:picLocks noChangeAspect="1"/>
+          </p:cNvPicPr>
+          <p:nvPr/>
+        </p:nvPicPr>
+        <p:blipFill>
+          <a:blip r:embed="rId4">
+            <a:extLst>
+              <a:ext uri="{28A0092B-C50C-407E-A947-70E740481C1C}">
+                <a14:useLocalDpi xmlns:a14="http://schemas.microsoft.com/office/drawing/2010/main" val="0"/>
+              </a:ext>
+            </a:extLst>
+          </a:blip>
+          <a:stretch>
+            <a:fillRect/>
+          </a:stretch>
+        </p:blipFill>
+        <p:spPr>
+          <a:xfrm>
+            <a:off x="160867" y="4416028"/>
+            <a:ext cx="11726333" cy="1126502"/>
+          </a:xfrm>
+          <a:prstGeom prst="rect">
+            <a:avLst/>
+          </a:prstGeom>
+        </p:spPr>
+      </p:pic>
+      <p:pic>
+        <p:nvPicPr>
+          <p:cNvPr id="13" name="圖片 12">
+            <a:extLst>
+              <a:ext uri="{FF2B5EF4-FFF2-40B4-BE49-F238E27FC236}">
+                <a16:creationId xmlns:a16="http://schemas.microsoft.com/office/drawing/2014/main" id="{D5B1F4C0-123A-65C7-AC9D-2CFDC340B1DE}"/>
+              </a:ext>
+            </a:extLst>
+          </p:cNvPr>
+          <p:cNvPicPr>
+            <a:picLocks noChangeAspect="1"/>
+          </p:cNvPicPr>
+          <p:nvPr/>
+        </p:nvPicPr>
+        <p:blipFill>
+          <a:blip r:embed="rId5"/>
+          <a:stretch>
+            <a:fillRect/>
+          </a:stretch>
+        </p:blipFill>
+        <p:spPr>
+          <a:xfrm>
+            <a:off x="0" y="3512196"/>
+            <a:ext cx="12192000" cy="1013292"/>
+          </a:xfrm>
+          <a:prstGeom prst="rect">
+            <a:avLst/>
+          </a:prstGeom>
+        </p:spPr>
+      </p:pic>
     </p:spTree>
     <p:extLst>
       <p:ext uri="{BB962C8B-B14F-4D97-AF65-F5344CB8AC3E}">
